--- a/docs/materials/Labs/L01-Switching.pptx
+++ b/docs/materials/Labs/L01-Switching.pptx
@@ -266,7 +266,7 @@
           <a:p>
             <a:fld id="{8E169E64-60E8-3246-AF48-F0860E2D534D}" type="datetimeFigureOut">
               <a:rPr lang="en-US" smtClean="0"/>
-              <a:t>1/26/22</a:t>
+              <a:t>1/26/23</a:t>
             </a:fld>
             <a:endParaRPr lang="en-US"/>
           </a:p>
@@ -464,7 +464,7 @@
           <a:p>
             <a:fld id="{8E169E64-60E8-3246-AF48-F0860E2D534D}" type="datetimeFigureOut">
               <a:rPr lang="en-US" smtClean="0"/>
-              <a:t>1/26/22</a:t>
+              <a:t>1/26/23</a:t>
             </a:fld>
             <a:endParaRPr lang="en-US"/>
           </a:p>
@@ -672,7 +672,7 @@
           <a:p>
             <a:fld id="{8E169E64-60E8-3246-AF48-F0860E2D534D}" type="datetimeFigureOut">
               <a:rPr lang="en-US" smtClean="0"/>
-              <a:t>1/26/22</a:t>
+              <a:t>1/26/23</a:t>
             </a:fld>
             <a:endParaRPr lang="en-US"/>
           </a:p>
@@ -870,7 +870,7 @@
           <a:p>
             <a:fld id="{8E169E64-60E8-3246-AF48-F0860E2D534D}" type="datetimeFigureOut">
               <a:rPr lang="en-US" smtClean="0"/>
-              <a:t>1/26/22</a:t>
+              <a:t>1/26/23</a:t>
             </a:fld>
             <a:endParaRPr lang="en-US"/>
           </a:p>
@@ -1145,7 +1145,7 @@
           <a:p>
             <a:fld id="{8E169E64-60E8-3246-AF48-F0860E2D534D}" type="datetimeFigureOut">
               <a:rPr lang="en-US" smtClean="0"/>
-              <a:t>1/26/22</a:t>
+              <a:t>1/26/23</a:t>
             </a:fld>
             <a:endParaRPr lang="en-US"/>
           </a:p>
@@ -1410,7 +1410,7 @@
           <a:p>
             <a:fld id="{8E169E64-60E8-3246-AF48-F0860E2D534D}" type="datetimeFigureOut">
               <a:rPr lang="en-US" smtClean="0"/>
-              <a:t>1/26/22</a:t>
+              <a:t>1/26/23</a:t>
             </a:fld>
             <a:endParaRPr lang="en-US"/>
           </a:p>
@@ -1822,7 +1822,7 @@
           <a:p>
             <a:fld id="{8E169E64-60E8-3246-AF48-F0860E2D534D}" type="datetimeFigureOut">
               <a:rPr lang="en-US" smtClean="0"/>
-              <a:t>1/26/22</a:t>
+              <a:t>1/26/23</a:t>
             </a:fld>
             <a:endParaRPr lang="en-US"/>
           </a:p>
@@ -1963,7 +1963,7 @@
           <a:p>
             <a:fld id="{8E169E64-60E8-3246-AF48-F0860E2D534D}" type="datetimeFigureOut">
               <a:rPr lang="en-US" smtClean="0"/>
-              <a:t>1/26/22</a:t>
+              <a:t>1/26/23</a:t>
             </a:fld>
             <a:endParaRPr lang="en-US"/>
           </a:p>
@@ -2076,7 +2076,7 @@
           <a:p>
             <a:fld id="{8E169E64-60E8-3246-AF48-F0860E2D534D}" type="datetimeFigureOut">
               <a:rPr lang="en-US" smtClean="0"/>
-              <a:t>1/26/22</a:t>
+              <a:t>1/26/23</a:t>
             </a:fld>
             <a:endParaRPr lang="en-US"/>
           </a:p>
@@ -2387,7 +2387,7 @@
           <a:p>
             <a:fld id="{8E169E64-60E8-3246-AF48-F0860E2D534D}" type="datetimeFigureOut">
               <a:rPr lang="en-US" smtClean="0"/>
-              <a:t>1/26/22</a:t>
+              <a:t>1/26/23</a:t>
             </a:fld>
             <a:endParaRPr lang="en-US"/>
           </a:p>
@@ -2675,7 +2675,7 @@
           <a:p>
             <a:fld id="{8E169E64-60E8-3246-AF48-F0860E2D534D}" type="datetimeFigureOut">
               <a:rPr lang="en-US" smtClean="0"/>
-              <a:t>1/26/22</a:t>
+              <a:t>1/26/23</a:t>
             </a:fld>
             <a:endParaRPr lang="en-US"/>
           </a:p>
@@ -2916,7 +2916,7 @@
           <a:p>
             <a:fld id="{8E169E64-60E8-3246-AF48-F0860E2D534D}" type="datetimeFigureOut">
               <a:rPr lang="en-US" smtClean="0"/>
-              <a:t>1/26/22</a:t>
+              <a:t>1/26/23</a:t>
             </a:fld>
             <a:endParaRPr lang="en-US"/>
           </a:p>
@@ -4037,10 +4037,10 @@
       </p:grpSpPr>
       <p:pic>
         <p:nvPicPr>
-          <p:cNvPr id="2" name="Picture 1">
-            <a:extLst>
-              <a:ext uri="{FF2B5EF4-FFF2-40B4-BE49-F238E27FC236}">
-                <a16:creationId xmlns:a16="http://schemas.microsoft.com/office/drawing/2014/main" id="{957FFC96-0B97-0545-8C73-F5FE2643DCA7}"/>
+          <p:cNvPr id="4" name="Picture 3">
+            <a:extLst>
+              <a:ext uri="{FF2B5EF4-FFF2-40B4-BE49-F238E27FC236}">
+                <a16:creationId xmlns:a16="http://schemas.microsoft.com/office/drawing/2014/main" id="{BC191B34-AA1E-C472-80C7-B26BA9EB8F91}"/>
               </a:ext>
             </a:extLst>
           </p:cNvPr>
@@ -4057,8 +4057,8 @@
         </p:blipFill>
         <p:spPr>
           <a:xfrm>
-            <a:off x="1825675" y="726319"/>
-            <a:ext cx="8758283" cy="5107187"/>
+            <a:off x="2209800" y="1133926"/>
+            <a:ext cx="7772400" cy="4204068"/>
           </a:xfrm>
           <a:prstGeom prst="rect">
             <a:avLst/>
@@ -4126,8 +4126,8 @@
         </p:nvCxnSpPr>
         <p:spPr>
           <a:xfrm flipV="1">
-            <a:off x="1211359" y="2043021"/>
-            <a:ext cx="1006622" cy="1233424"/>
+            <a:off x="1211359" y="2032861"/>
+            <a:ext cx="1006622" cy="1243584"/>
           </a:xfrm>
           <a:prstGeom prst="straightConnector1">
             <a:avLst/>
@@ -4170,7 +4170,7 @@
         <p:spPr>
           <a:xfrm>
             <a:off x="1211359" y="3276445"/>
-            <a:ext cx="1006623" cy="2075534"/>
+            <a:ext cx="1006623" cy="1658974"/>
           </a:xfrm>
           <a:prstGeom prst="straightConnector1">
             <a:avLst/>
@@ -4208,7 +4208,7 @@
         </p:nvSpPr>
         <p:spPr>
           <a:xfrm>
-            <a:off x="2619509" y="939099"/>
+            <a:off x="3706629" y="939099"/>
             <a:ext cx="1084271" cy="369332"/>
           </a:xfrm>
           <a:prstGeom prst="rect">
@@ -4244,8 +4244,8 @@
         </p:nvSpPr>
         <p:spPr>
           <a:xfrm>
-            <a:off x="2619509" y="2259875"/>
-            <a:ext cx="183459" cy="1345474"/>
+            <a:off x="3706629" y="2414669"/>
+            <a:ext cx="194811" cy="1014331"/>
           </a:xfrm>
           <a:prstGeom prst="roundRect">
             <a:avLst/>
@@ -4295,8 +4295,8 @@
         </p:nvSpPr>
         <p:spPr>
           <a:xfrm>
-            <a:off x="3379997" y="3804274"/>
-            <a:ext cx="183459" cy="1345474"/>
+            <a:off x="4517917" y="3682354"/>
+            <a:ext cx="176003" cy="1026050"/>
           </a:xfrm>
           <a:prstGeom prst="roundRect">
             <a:avLst/>
@@ -4344,13 +4344,14 @@
           <p:cNvCxnSpPr>
             <a:cxnSpLocks/>
             <a:stCxn id="17" idx="2"/>
+            <a:endCxn id="18" idx="0"/>
           </p:cNvCxnSpPr>
           <p:nvPr/>
         </p:nvCxnSpPr>
         <p:spPr>
           <a:xfrm flipH="1">
-            <a:off x="2711238" y="1308431"/>
-            <a:ext cx="450407" cy="951444"/>
+            <a:off x="3804035" y="1308431"/>
+            <a:ext cx="444730" cy="1106238"/>
           </a:xfrm>
           <a:prstGeom prst="straightConnector1">
             <a:avLst/>
@@ -4392,8 +4393,8 @@
         </p:nvCxnSpPr>
         <p:spPr>
           <a:xfrm>
-            <a:off x="3161645" y="1308431"/>
-            <a:ext cx="310082" cy="2495843"/>
+            <a:off x="4248765" y="1308431"/>
+            <a:ext cx="357154" cy="2373923"/>
           </a:xfrm>
           <a:prstGeom prst="straightConnector1">
             <a:avLst/>
@@ -4431,7 +4432,7 @@
         </p:nvSpPr>
         <p:spPr>
           <a:xfrm rot="16200000">
-            <a:off x="5066662" y="-877881"/>
+            <a:off x="5066662" y="-888041"/>
             <a:ext cx="144440" cy="5841803"/>
           </a:xfrm>
           <a:prstGeom prst="roundRect">
@@ -4482,7 +4483,7 @@
         </p:nvSpPr>
         <p:spPr>
           <a:xfrm rot="16200000">
-            <a:off x="5066663" y="2431077"/>
+            <a:off x="5066663" y="2014517"/>
             <a:ext cx="144440" cy="5841803"/>
           </a:xfrm>
           <a:prstGeom prst="roundRect">
